--- a/02. 아나콘다 파이참 연동.pptx
+++ b/02. 아나콘다 파이참 연동.pptx
@@ -17,11 +17,13 @@
     <p:sldId id="264" r:id="rId11"/>
     <p:sldId id="265" r:id="rId12"/>
     <p:sldId id="266" r:id="rId13"/>
-    <p:sldId id="267" r:id="rId14"/>
-    <p:sldId id="268" r:id="rId15"/>
-    <p:sldId id="269" r:id="rId16"/>
-    <p:sldId id="258" r:id="rId17"/>
-    <p:sldId id="259" r:id="rId18"/>
+    <p:sldId id="275" r:id="rId14"/>
+    <p:sldId id="276" r:id="rId15"/>
+    <p:sldId id="267" r:id="rId16"/>
+    <p:sldId id="268" r:id="rId17"/>
+    <p:sldId id="269" r:id="rId18"/>
+    <p:sldId id="258" r:id="rId19"/>
+    <p:sldId id="259" r:id="rId20"/>
   </p:sldIdLst>
   <p:sldSz cx="12192000" cy="6858000"/>
   <p:notesSz cx="6858000" cy="9144000"/>
@@ -120,6 +122,11 @@
       </a:defRPr>
     </a:lvl9pPr>
   </p:defaultTextStyle>
+  <p:extLst>
+    <p:ext uri="{EFAFB233-063F-42B5-8137-9DF3F51BA10A}">
+      <p15:sldGuideLst xmlns:p15="http://schemas.microsoft.com/office/powerpoint/2012/main"/>
+    </p:ext>
+  </p:extLst>
 </p:presentation>
 </file>
 
@@ -270,7 +277,7 @@
           <a:p>
             <a:fld id="{0899FB5E-B33C-44F7-8612-158282B3B17A}" type="datetimeFigureOut">
               <a:rPr lang="ko-KR" altLang="en-US" smtClean="0"/>
-              <a:t>2020-01-10</a:t>
+              <a:t>2020-01-11</a:t>
             </a:fld>
             <a:endParaRPr lang="ko-KR" altLang="en-US"/>
           </a:p>
@@ -468,7 +475,7 @@
           <a:p>
             <a:fld id="{0899FB5E-B33C-44F7-8612-158282B3B17A}" type="datetimeFigureOut">
               <a:rPr lang="ko-KR" altLang="en-US" smtClean="0"/>
-              <a:t>2020-01-10</a:t>
+              <a:t>2020-01-11</a:t>
             </a:fld>
             <a:endParaRPr lang="ko-KR" altLang="en-US"/>
           </a:p>
@@ -676,7 +683,7 @@
           <a:p>
             <a:fld id="{0899FB5E-B33C-44F7-8612-158282B3B17A}" type="datetimeFigureOut">
               <a:rPr lang="ko-KR" altLang="en-US" smtClean="0"/>
-              <a:t>2020-01-10</a:t>
+              <a:t>2020-01-11</a:t>
             </a:fld>
             <a:endParaRPr lang="ko-KR" altLang="en-US"/>
           </a:p>
@@ -874,7 +881,7 @@
           <a:p>
             <a:fld id="{0899FB5E-B33C-44F7-8612-158282B3B17A}" type="datetimeFigureOut">
               <a:rPr lang="ko-KR" altLang="en-US" smtClean="0"/>
-              <a:t>2020-01-10</a:t>
+              <a:t>2020-01-11</a:t>
             </a:fld>
             <a:endParaRPr lang="ko-KR" altLang="en-US"/>
           </a:p>
@@ -1149,7 +1156,7 @@
           <a:p>
             <a:fld id="{0899FB5E-B33C-44F7-8612-158282B3B17A}" type="datetimeFigureOut">
               <a:rPr lang="ko-KR" altLang="en-US" smtClean="0"/>
-              <a:t>2020-01-10</a:t>
+              <a:t>2020-01-11</a:t>
             </a:fld>
             <a:endParaRPr lang="ko-KR" altLang="en-US"/>
           </a:p>
@@ -1414,7 +1421,7 @@
           <a:p>
             <a:fld id="{0899FB5E-B33C-44F7-8612-158282B3B17A}" type="datetimeFigureOut">
               <a:rPr lang="ko-KR" altLang="en-US" smtClean="0"/>
-              <a:t>2020-01-10</a:t>
+              <a:t>2020-01-11</a:t>
             </a:fld>
             <a:endParaRPr lang="ko-KR" altLang="en-US"/>
           </a:p>
@@ -1826,7 +1833,7 @@
           <a:p>
             <a:fld id="{0899FB5E-B33C-44F7-8612-158282B3B17A}" type="datetimeFigureOut">
               <a:rPr lang="ko-KR" altLang="en-US" smtClean="0"/>
-              <a:t>2020-01-10</a:t>
+              <a:t>2020-01-11</a:t>
             </a:fld>
             <a:endParaRPr lang="ko-KR" altLang="en-US"/>
           </a:p>
@@ -1967,7 +1974,7 @@
           <a:p>
             <a:fld id="{0899FB5E-B33C-44F7-8612-158282B3B17A}" type="datetimeFigureOut">
               <a:rPr lang="ko-KR" altLang="en-US" smtClean="0"/>
-              <a:t>2020-01-10</a:t>
+              <a:t>2020-01-11</a:t>
             </a:fld>
             <a:endParaRPr lang="ko-KR" altLang="en-US"/>
           </a:p>
@@ -2080,7 +2087,7 @@
           <a:p>
             <a:fld id="{0899FB5E-B33C-44F7-8612-158282B3B17A}" type="datetimeFigureOut">
               <a:rPr lang="ko-KR" altLang="en-US" smtClean="0"/>
-              <a:t>2020-01-10</a:t>
+              <a:t>2020-01-11</a:t>
             </a:fld>
             <a:endParaRPr lang="ko-KR" altLang="en-US"/>
           </a:p>
@@ -2391,7 +2398,7 @@
           <a:p>
             <a:fld id="{0899FB5E-B33C-44F7-8612-158282B3B17A}" type="datetimeFigureOut">
               <a:rPr lang="ko-KR" altLang="en-US" smtClean="0"/>
-              <a:t>2020-01-10</a:t>
+              <a:t>2020-01-11</a:t>
             </a:fld>
             <a:endParaRPr lang="ko-KR" altLang="en-US"/>
           </a:p>
@@ -2679,7 +2686,7 @@
           <a:p>
             <a:fld id="{0899FB5E-B33C-44F7-8612-158282B3B17A}" type="datetimeFigureOut">
               <a:rPr lang="ko-KR" altLang="en-US" smtClean="0"/>
-              <a:t>2020-01-10</a:t>
+              <a:t>2020-01-11</a:t>
             </a:fld>
             <a:endParaRPr lang="ko-KR" altLang="en-US"/>
           </a:p>
@@ -2920,7 +2927,7 @@
           <a:p>
             <a:fld id="{0899FB5E-B33C-44F7-8612-158282B3B17A}" type="datetimeFigureOut">
               <a:rPr lang="ko-KR" altLang="en-US" smtClean="0"/>
-              <a:t>2020-01-10</a:t>
+              <a:t>2020-01-11</a:t>
             </a:fld>
             <a:endParaRPr lang="ko-KR" altLang="en-US"/>
           </a:p>
@@ -3677,10 +3684,10 @@
       </p:sp>
       <p:pic>
         <p:nvPicPr>
-          <p:cNvPr id="5" name="그림 4">
-            <a:extLst>
-              <a:ext uri="{FF2B5EF4-FFF2-40B4-BE49-F238E27FC236}">
-                <a16:creationId xmlns:a16="http://schemas.microsoft.com/office/drawing/2014/main" id="{563816D1-B736-419E-8430-C51BFF1F5150}"/>
+          <p:cNvPr id="10" name="그림 9">
+            <a:extLst>
+              <a:ext uri="{FF2B5EF4-FFF2-40B4-BE49-F238E27FC236}">
+                <a16:creationId xmlns:a16="http://schemas.microsoft.com/office/drawing/2014/main" id="{FDB87DD0-8546-4735-AFC7-DF5A1002DAE3}"/>
               </a:ext>
             </a:extLst>
           </p:cNvPr>
@@ -3698,36 +3705,6 @@
         <p:spPr>
           <a:xfrm>
             <a:off x="1343025" y="2205264"/>
-            <a:ext cx="4752975" cy="3695700"/>
-          </a:xfrm>
-          <a:prstGeom prst="rect">
-            <a:avLst/>
-          </a:prstGeom>
-        </p:spPr>
-      </p:pic>
-      <p:pic>
-        <p:nvPicPr>
-          <p:cNvPr id="2" name="그림 1">
-            <a:extLst>
-              <a:ext uri="{FF2B5EF4-FFF2-40B4-BE49-F238E27FC236}">
-                <a16:creationId xmlns:a16="http://schemas.microsoft.com/office/drawing/2014/main" id="{809AF15A-3786-4E8E-ADA8-740D7FB20F24}"/>
-              </a:ext>
-            </a:extLst>
-          </p:cNvPr>
-          <p:cNvPicPr>
-            <a:picLocks noChangeAspect="1"/>
-          </p:cNvPicPr>
-          <p:nvPr/>
-        </p:nvPicPr>
-        <p:blipFill>
-          <a:blip r:embed="rId3"/>
-          <a:stretch>
-            <a:fillRect/>
-          </a:stretch>
-        </p:blipFill>
-        <p:spPr>
-          <a:xfrm>
-            <a:off x="6096000" y="2205264"/>
             <a:ext cx="4752975" cy="3695700"/>
           </a:xfrm>
           <a:prstGeom prst="rect">
@@ -4082,52 +4059,6 @@
       </p:sp>
       <p:sp>
         <p:nvSpPr>
-          <p:cNvPr id="11" name="TextBox 10">
-            <a:extLst>
-              <a:ext uri="{FF2B5EF4-FFF2-40B4-BE49-F238E27FC236}">
-                <a16:creationId xmlns:a16="http://schemas.microsoft.com/office/drawing/2014/main" id="{7D02E6AE-33A8-4359-8031-8A75198F3CDB}"/>
-              </a:ext>
-            </a:extLst>
-          </p:cNvPr>
-          <p:cNvSpPr txBox="1"/>
-          <p:nvPr/>
-        </p:nvSpPr>
-        <p:spPr>
-          <a:xfrm>
-            <a:off x="9795219" y="-1691779"/>
-            <a:ext cx="2045753" cy="646331"/>
-          </a:xfrm>
-          <a:prstGeom prst="rect">
-            <a:avLst/>
-          </a:prstGeom>
-          <a:noFill/>
-        </p:spPr>
-        <p:txBody>
-          <a:bodyPr wrap="none" rtlCol="0">
-            <a:spAutoFit/>
-          </a:bodyPr>
-          <a:lstStyle/>
-          <a:p>
-            <a:r>
-              <a:rPr lang="ko-KR" altLang="en-US" dirty="0"/>
-              <a:t>다운로드 완료 후 </a:t>
-            </a:r>
-            <a:endParaRPr lang="en-US" altLang="ko-KR" dirty="0"/>
-          </a:p>
-          <a:p>
-            <a:r>
-              <a:rPr lang="en-US" altLang="ko-KR" dirty="0"/>
-              <a:t>.exe </a:t>
-            </a:r>
-            <a:r>
-              <a:rPr lang="ko-KR" altLang="en-US" dirty="0"/>
-              <a:t>파일 실행</a:t>
-            </a:r>
-          </a:p>
-        </p:txBody>
-      </p:sp>
-      <p:sp>
-        <p:nvSpPr>
           <p:cNvPr id="4" name="TextBox 3">
             <a:extLst>
               <a:ext uri="{FF2B5EF4-FFF2-40B4-BE49-F238E27FC236}">
@@ -4354,56 +4285,12 @@
           </a:p>
         </p:txBody>
       </p:sp>
-      <p:sp>
-        <p:nvSpPr>
-          <p:cNvPr id="11" name="TextBox 10">
-            <a:extLst>
-              <a:ext uri="{FF2B5EF4-FFF2-40B4-BE49-F238E27FC236}">
-                <a16:creationId xmlns:a16="http://schemas.microsoft.com/office/drawing/2014/main" id="{7D02E6AE-33A8-4359-8031-8A75198F3CDB}"/>
-              </a:ext>
-            </a:extLst>
-          </p:cNvPr>
-          <p:cNvSpPr txBox="1"/>
-          <p:nvPr/>
-        </p:nvSpPr>
-        <p:spPr>
-          <a:xfrm>
-            <a:off x="7864819" y="2488335"/>
-            <a:ext cx="1234633" cy="923330"/>
-          </a:xfrm>
-          <a:prstGeom prst="rect">
-            <a:avLst/>
-          </a:prstGeom>
-          <a:noFill/>
-        </p:spPr>
-        <p:txBody>
-          <a:bodyPr wrap="none" rtlCol="0">
-            <a:spAutoFit/>
-          </a:bodyPr>
-          <a:lstStyle/>
-          <a:p>
-            <a:r>
-              <a:rPr lang="en-US" altLang="ko-KR" dirty="0"/>
-              <a:t>Configure</a:t>
-            </a:r>
-          </a:p>
-          <a:p>
-            <a:r>
-              <a:rPr lang="en-US" altLang="ko-KR" dirty="0"/>
-              <a:t>-&gt; setting</a:t>
-            </a:r>
-          </a:p>
-          <a:p>
-            <a:endParaRPr lang="ko-KR" altLang="en-US" dirty="0"/>
-          </a:p>
-        </p:txBody>
-      </p:sp>
       <p:pic>
         <p:nvPicPr>
-          <p:cNvPr id="3" name="그림 2">
-            <a:extLst>
-              <a:ext uri="{FF2B5EF4-FFF2-40B4-BE49-F238E27FC236}">
-                <a16:creationId xmlns:a16="http://schemas.microsoft.com/office/drawing/2014/main" id="{30B50B3A-2193-4E1D-9450-EC6F86913876}"/>
+          <p:cNvPr id="2" name="그림 1">
+            <a:extLst>
+              <a:ext uri="{FF2B5EF4-FFF2-40B4-BE49-F238E27FC236}">
+                <a16:creationId xmlns:a16="http://schemas.microsoft.com/office/drawing/2014/main" id="{77AEC906-3D2E-46AB-88D5-089C3840428C}"/>
               </a:ext>
             </a:extLst>
           </p:cNvPr>
@@ -4420,18 +4307,58 @@
         </p:blipFill>
         <p:spPr>
           <a:xfrm>
-            <a:off x="710747" y="1864067"/>
-            <a:ext cx="5385253" cy="4798670"/>
+            <a:off x="272709" y="1819765"/>
+            <a:ext cx="5823291" cy="4887405"/>
           </a:xfrm>
           <a:prstGeom prst="rect">
             <a:avLst/>
           </a:prstGeom>
         </p:spPr>
       </p:pic>
+      <p:sp>
+        <p:nvSpPr>
+          <p:cNvPr id="8" name="TextBox 7">
+            <a:extLst>
+              <a:ext uri="{FF2B5EF4-FFF2-40B4-BE49-F238E27FC236}">
+                <a16:creationId xmlns:a16="http://schemas.microsoft.com/office/drawing/2014/main" id="{322C2A51-C4ED-4A8B-873E-23E715690FBA}"/>
+              </a:ext>
+            </a:extLst>
+          </p:cNvPr>
+          <p:cNvSpPr txBox="1"/>
+          <p:nvPr/>
+        </p:nvSpPr>
+        <p:spPr>
+          <a:xfrm>
+            <a:off x="6669926" y="2202150"/>
+            <a:ext cx="2994731" cy="369332"/>
+          </a:xfrm>
+          <a:prstGeom prst="rect">
+            <a:avLst/>
+          </a:prstGeom>
+          <a:noFill/>
+        </p:spPr>
+        <p:txBody>
+          <a:bodyPr wrap="none" rtlCol="0">
+            <a:spAutoFit/>
+          </a:bodyPr>
+          <a:lstStyle/>
+          <a:p>
+            <a:r>
+              <a:rPr lang="ko-KR" altLang="en-US" dirty="0"/>
+              <a:t>원하는 테마 선택하고 </a:t>
+            </a:r>
+            <a:r>
+              <a:rPr lang="en-US" altLang="ko-KR" dirty="0"/>
+              <a:t>Next</a:t>
+            </a:r>
+            <a:endParaRPr lang="ko-KR" altLang="en-US" dirty="0"/>
+          </a:p>
+        </p:txBody>
+      </p:sp>
     </p:spTree>
     <p:extLst>
       <p:ext uri="{BB962C8B-B14F-4D97-AF65-F5344CB8AC3E}">
-        <p14:creationId xmlns:p14="http://schemas.microsoft.com/office/powerpoint/2010/main" val="2398541306"/>
+        <p14:creationId xmlns:p14="http://schemas.microsoft.com/office/powerpoint/2010/main" val="1513127737"/>
       </p:ext>
     </p:extLst>
   </p:cSld>
@@ -4518,10 +4445,10 @@
       </p:sp>
       <p:pic>
         <p:nvPicPr>
-          <p:cNvPr id="4" name="그림 3">
-            <a:extLst>
-              <a:ext uri="{FF2B5EF4-FFF2-40B4-BE49-F238E27FC236}">
-                <a16:creationId xmlns:a16="http://schemas.microsoft.com/office/drawing/2014/main" id="{A2A04C03-BEE5-4E35-B877-377947225F35}"/>
+          <p:cNvPr id="2" name="그림 1">
+            <a:extLst>
+              <a:ext uri="{FF2B5EF4-FFF2-40B4-BE49-F238E27FC236}">
+                <a16:creationId xmlns:a16="http://schemas.microsoft.com/office/drawing/2014/main" id="{77AEC906-3D2E-46AB-88D5-089C3840428C}"/>
               </a:ext>
             </a:extLst>
           </p:cNvPr>
@@ -4538,25 +4465,20 @@
         </p:blipFill>
         <p:spPr>
           <a:xfrm>
-            <a:off x="354693" y="1799770"/>
-            <a:ext cx="6901147" cy="4943475"/>
+            <a:off x="272709" y="1819765"/>
+            <a:ext cx="5823291" cy="4887405"/>
           </a:xfrm>
           <a:prstGeom prst="rect">
             <a:avLst/>
           </a:prstGeom>
-          <a:ln w="12700">
-            <a:solidFill>
-              <a:schemeClr val="tx1"/>
-            </a:solidFill>
-          </a:ln>
         </p:spPr>
       </p:pic>
       <p:sp>
         <p:nvSpPr>
-          <p:cNvPr id="5" name="TextBox 4">
-            <a:extLst>
-              <a:ext uri="{FF2B5EF4-FFF2-40B4-BE49-F238E27FC236}">
-                <a16:creationId xmlns:a16="http://schemas.microsoft.com/office/drawing/2014/main" id="{0BD3EC13-073E-4A88-80E6-32766ED43379}"/>
+          <p:cNvPr id="8" name="TextBox 7">
+            <a:extLst>
+              <a:ext uri="{FF2B5EF4-FFF2-40B4-BE49-F238E27FC236}">
+                <a16:creationId xmlns:a16="http://schemas.microsoft.com/office/drawing/2014/main" id="{322C2A51-C4ED-4A8B-873E-23E715690FBA}"/>
               </a:ext>
             </a:extLst>
           </p:cNvPr>
@@ -4565,8 +4487,8 @@
         </p:nvSpPr>
         <p:spPr>
           <a:xfrm>
-            <a:off x="8258629" y="3120571"/>
-            <a:ext cx="2078646" cy="646331"/>
+            <a:off x="6669926" y="2202150"/>
+            <a:ext cx="5100242" cy="369332"/>
           </a:xfrm>
           <a:prstGeom prst="rect">
             <a:avLst/>
@@ -4580,23 +4502,55 @@
           <a:lstStyle/>
           <a:p>
             <a:r>
+              <a:rPr lang="ko-KR" altLang="en-US" dirty="0"/>
+              <a:t>원하는 플러그인 선택하고 </a:t>
+            </a:r>
+            <a:r>
               <a:rPr lang="en-US" altLang="ko-KR" dirty="0"/>
-              <a:t>Project interpreter</a:t>
-            </a:r>
-          </a:p>
-          <a:p>
-            <a:r>
-              <a:rPr lang="en-US" altLang="ko-KR" dirty="0"/>
-              <a:t>Show All</a:t>
+              <a:t>Start Using </a:t>
+            </a:r>
+            <a:r>
+              <a:rPr lang="en-US" altLang="ko-KR" dirty="0" err="1"/>
+              <a:t>Pycharm</a:t>
             </a:r>
             <a:endParaRPr lang="ko-KR" altLang="en-US" dirty="0"/>
           </a:p>
         </p:txBody>
       </p:sp>
+      <p:pic>
+        <p:nvPicPr>
+          <p:cNvPr id="3" name="그림 2">
+            <a:extLst>
+              <a:ext uri="{FF2B5EF4-FFF2-40B4-BE49-F238E27FC236}">
+                <a16:creationId xmlns:a16="http://schemas.microsoft.com/office/drawing/2014/main" id="{ABF3F85D-B516-4974-A2C7-1D51140CC349}"/>
+              </a:ext>
+            </a:extLst>
+          </p:cNvPr>
+          <p:cNvPicPr>
+            <a:picLocks noChangeAspect="1"/>
+          </p:cNvPicPr>
+          <p:nvPr/>
+        </p:nvPicPr>
+        <p:blipFill>
+          <a:blip r:embed="rId3"/>
+          <a:stretch>
+            <a:fillRect/>
+          </a:stretch>
+        </p:blipFill>
+        <p:spPr>
+          <a:xfrm>
+            <a:off x="272709" y="1819764"/>
+            <a:ext cx="5823291" cy="4887405"/>
+          </a:xfrm>
+          <a:prstGeom prst="rect">
+            <a:avLst/>
+          </a:prstGeom>
+        </p:spPr>
+      </p:pic>
     </p:spTree>
     <p:extLst>
       <p:ext uri="{BB962C8B-B14F-4D97-AF65-F5344CB8AC3E}">
-        <p14:creationId xmlns:p14="http://schemas.microsoft.com/office/powerpoint/2010/main" val="1706336131"/>
+        <p14:creationId xmlns:p14="http://schemas.microsoft.com/office/powerpoint/2010/main" val="904318105"/>
       </p:ext>
     </p:extLst>
   </p:cSld>
@@ -4681,12 +4635,56 @@
           </a:p>
         </p:txBody>
       </p:sp>
+      <p:sp>
+        <p:nvSpPr>
+          <p:cNvPr id="11" name="TextBox 10">
+            <a:extLst>
+              <a:ext uri="{FF2B5EF4-FFF2-40B4-BE49-F238E27FC236}">
+                <a16:creationId xmlns:a16="http://schemas.microsoft.com/office/drawing/2014/main" id="{7D02E6AE-33A8-4359-8031-8A75198F3CDB}"/>
+              </a:ext>
+            </a:extLst>
+          </p:cNvPr>
+          <p:cNvSpPr txBox="1"/>
+          <p:nvPr/>
+        </p:nvSpPr>
+        <p:spPr>
+          <a:xfrm>
+            <a:off x="7864819" y="2488335"/>
+            <a:ext cx="1234633" cy="923330"/>
+          </a:xfrm>
+          <a:prstGeom prst="rect">
+            <a:avLst/>
+          </a:prstGeom>
+          <a:noFill/>
+        </p:spPr>
+        <p:txBody>
+          <a:bodyPr wrap="none" rtlCol="0">
+            <a:spAutoFit/>
+          </a:bodyPr>
+          <a:lstStyle/>
+          <a:p>
+            <a:r>
+              <a:rPr lang="en-US" altLang="ko-KR" dirty="0"/>
+              <a:t>Configure</a:t>
+            </a:r>
+          </a:p>
+          <a:p>
+            <a:r>
+              <a:rPr lang="en-US" altLang="ko-KR" dirty="0"/>
+              <a:t>-&gt; setting</a:t>
+            </a:r>
+          </a:p>
+          <a:p>
+            <a:endParaRPr lang="ko-KR" altLang="en-US" dirty="0"/>
+          </a:p>
+        </p:txBody>
+      </p:sp>
       <p:pic>
         <p:nvPicPr>
           <p:cNvPr id="3" name="그림 2">
             <a:extLst>
               <a:ext uri="{FF2B5EF4-FFF2-40B4-BE49-F238E27FC236}">
-                <a16:creationId xmlns:a16="http://schemas.microsoft.com/office/drawing/2014/main" id="{F2F996E6-E5C2-4373-99D1-C6D77E8F9433}"/>
+                <a16:creationId xmlns:a16="http://schemas.microsoft.com/office/drawing/2014/main" id="{30B50B3A-2193-4E1D-9450-EC6F86913876}"/>
               </a:ext>
             </a:extLst>
           </p:cNvPr>
@@ -4703,8 +4701,8 @@
         </p:blipFill>
         <p:spPr>
           <a:xfrm>
-            <a:off x="794431" y="1866434"/>
-            <a:ext cx="5301570" cy="4692661"/>
+            <a:off x="710747" y="1864067"/>
+            <a:ext cx="5385253" cy="4798670"/>
           </a:xfrm>
           <a:prstGeom prst="rect">
             <a:avLst/>
@@ -4714,7 +4712,7 @@
     </p:spTree>
     <p:extLst>
       <p:ext uri="{BB962C8B-B14F-4D97-AF65-F5344CB8AC3E}">
-        <p14:creationId xmlns:p14="http://schemas.microsoft.com/office/powerpoint/2010/main" val="727596394"/>
+        <p14:creationId xmlns:p14="http://schemas.microsoft.com/office/powerpoint/2010/main" val="2398541306"/>
       </p:ext>
     </p:extLst>
   </p:cSld>
@@ -4741,153 +4739,12 @@
           <a:chExt cx="0" cy="0"/>
         </a:xfrm>
       </p:grpSpPr>
-      <p:pic>
-        <p:nvPicPr>
-          <p:cNvPr id="7" name="그림 6">
-            <a:extLst>
-              <a:ext uri="{FF2B5EF4-FFF2-40B4-BE49-F238E27FC236}">
-                <a16:creationId xmlns:a16="http://schemas.microsoft.com/office/drawing/2014/main" id="{AF0CF061-4092-4797-BE74-E5B27792C9F1}"/>
-              </a:ext>
-            </a:extLst>
-          </p:cNvPr>
-          <p:cNvPicPr>
-            <a:picLocks noChangeAspect="1"/>
-          </p:cNvPicPr>
-          <p:nvPr/>
-        </p:nvPicPr>
-        <p:blipFill>
-          <a:blip r:embed="rId2"/>
-          <a:stretch>
-            <a:fillRect/>
-          </a:stretch>
-        </p:blipFill>
-        <p:spPr>
-          <a:xfrm>
-            <a:off x="0" y="0"/>
-            <a:ext cx="12190385" cy="6858000"/>
-          </a:xfrm>
-          <a:prstGeom prst="rect">
-            <a:avLst/>
-          </a:prstGeom>
-        </p:spPr>
-      </p:pic>
-      <p:sp>
-        <p:nvSpPr>
-          <p:cNvPr id="8" name="내용 개체 틀 2">
-            <a:extLst>
-              <a:ext uri="{FF2B5EF4-FFF2-40B4-BE49-F238E27FC236}">
-                <a16:creationId xmlns:a16="http://schemas.microsoft.com/office/drawing/2014/main" id="{5CC508F0-AE85-45EA-9922-E02DABB0D315}"/>
-              </a:ext>
-            </a:extLst>
-          </p:cNvPr>
-          <p:cNvSpPr>
-            <a:spLocks noGrp="1"/>
-          </p:cNvSpPr>
-          <p:nvPr>
-            <p:ph idx="1"/>
-          </p:nvPr>
-        </p:nvSpPr>
-        <p:spPr>
-          <a:xfrm>
-            <a:off x="0" y="480806"/>
-            <a:ext cx="11916229" cy="5896388"/>
-          </a:xfrm>
-        </p:spPr>
-        <p:txBody>
-          <a:bodyPr>
-            <a:normAutofit/>
-          </a:bodyPr>
-          <a:lstStyle/>
-          <a:p>
-            <a:pPr marL="0" indent="0">
-              <a:buNone/>
-            </a:pPr>
-            <a:endParaRPr lang="en-US" altLang="ko-KR" sz="2400" dirty="0">
-              <a:solidFill>
-                <a:schemeClr val="bg1"/>
-              </a:solidFill>
-            </a:endParaRPr>
-          </a:p>
-          <a:p>
-            <a:pPr marL="0" indent="0">
-              <a:buNone/>
-            </a:pPr>
-            <a:r>
-              <a:rPr lang="en-US" altLang="ko-KR" sz="2400" dirty="0">
-                <a:solidFill>
-                  <a:schemeClr val="bg1"/>
-                </a:solidFill>
-              </a:rPr>
-              <a:t>(base) C:\WINDOWS\system32&gt;</a:t>
-            </a:r>
-            <a:r>
-              <a:rPr lang="en-US" altLang="ko-KR" sz="2400" b="1" dirty="0">
-                <a:solidFill>
-                  <a:schemeClr val="bg1"/>
-                </a:solidFill>
-              </a:rPr>
-              <a:t>cd C:\Users\leehyunjoo\dl_notebooks</a:t>
-            </a:r>
-          </a:p>
-          <a:p>
-            <a:pPr marL="0" indent="0">
-              <a:buNone/>
-            </a:pPr>
-            <a:endParaRPr lang="en-US" altLang="ko-KR" sz="2400" dirty="0">
-              <a:solidFill>
-                <a:schemeClr val="bg1"/>
-              </a:solidFill>
-            </a:endParaRPr>
-          </a:p>
-          <a:p>
-            <a:pPr marL="0" indent="0">
-              <a:buNone/>
-            </a:pPr>
-            <a:r>
-              <a:rPr lang="en-US" altLang="ko-KR" sz="2400" dirty="0">
-                <a:solidFill>
-                  <a:schemeClr val="bg1"/>
-                </a:solidFill>
-              </a:rPr>
-              <a:t>(base) C:\Users\leehyunjoo\dl_notebooks&gt;</a:t>
-            </a:r>
-            <a:r>
-              <a:rPr lang="en-US" altLang="ko-KR" sz="2400" b="1" dirty="0">
-                <a:solidFill>
-                  <a:schemeClr val="bg1"/>
-                </a:solidFill>
-              </a:rPr>
-              <a:t>jupyter notebook</a:t>
-            </a:r>
-          </a:p>
-          <a:p>
-            <a:pPr marL="0" indent="0">
-              <a:buNone/>
-            </a:pPr>
-            <a:endParaRPr lang="en-US" altLang="ko-KR" sz="2400" b="1" dirty="0">
-              <a:solidFill>
-                <a:schemeClr val="bg1"/>
-              </a:solidFill>
-            </a:endParaRPr>
-          </a:p>
-          <a:p>
-            <a:pPr marL="0" indent="0">
-              <a:buNone/>
-            </a:pPr>
-            <a:endParaRPr lang="ko-KR" altLang="en-US" sz="2400" dirty="0">
-              <a:solidFill>
-                <a:schemeClr val="bg1"/>
-              </a:solidFill>
-            </a:endParaRPr>
-          </a:p>
-        </p:txBody>
-      </p:sp>
-      <p:sp>
-        <p:nvSpPr>
-          <p:cNvPr id="9" name="직사각형 8">
-            <a:extLst>
-              <a:ext uri="{FF2B5EF4-FFF2-40B4-BE49-F238E27FC236}">
-                <a16:creationId xmlns:a16="http://schemas.microsoft.com/office/drawing/2014/main" id="{6FDC776E-6112-4F55-A311-CFF8F5C263EE}"/>
+      <p:sp>
+        <p:nvSpPr>
+          <p:cNvPr id="7" name="직사각형 6">
+            <a:extLst>
+              <a:ext uri="{FF2B5EF4-FFF2-40B4-BE49-F238E27FC236}">
+                <a16:creationId xmlns:a16="http://schemas.microsoft.com/office/drawing/2014/main" id="{E87FDD33-8486-4FD4-9118-157689B95F9D}"/>
               </a:ext>
             </a:extLst>
           </p:cNvPr>
@@ -4896,16 +4753,14 @@
         </p:nvSpPr>
         <p:spPr>
           <a:xfrm>
-            <a:off x="7750628" y="2732313"/>
-            <a:ext cx="3831772" cy="624115"/>
+            <a:off x="0" y="1"/>
+            <a:ext cx="12192000" cy="1690688"/>
           </a:xfrm>
           <a:prstGeom prst="rect">
             <a:avLst/>
           </a:prstGeom>
           <a:solidFill>
-            <a:schemeClr val="bg1">
-              <a:lumMod val="95000"/>
-            </a:schemeClr>
+            <a:srgbClr val="20D68A"/>
           </a:solidFill>
           <a:ln>
             <a:noFill/>
@@ -4931,6 +4786,432 @@
           <a:bodyPr rtlCol="0" anchor="ctr"/>
           <a:lstStyle/>
           <a:p>
+            <a:r>
+              <a:rPr lang="en-US" altLang="ko-KR" sz="3600" dirty="0"/>
+              <a:t>	01. PyCharm </a:t>
+            </a:r>
+            <a:r>
+              <a:rPr lang="ko-KR" altLang="en-US" sz="3600" dirty="0"/>
+              <a:t>설치</a:t>
+            </a:r>
+          </a:p>
+        </p:txBody>
+      </p:sp>
+      <p:pic>
+        <p:nvPicPr>
+          <p:cNvPr id="4" name="그림 3">
+            <a:extLst>
+              <a:ext uri="{FF2B5EF4-FFF2-40B4-BE49-F238E27FC236}">
+                <a16:creationId xmlns:a16="http://schemas.microsoft.com/office/drawing/2014/main" id="{A2A04C03-BEE5-4E35-B877-377947225F35}"/>
+              </a:ext>
+            </a:extLst>
+          </p:cNvPr>
+          <p:cNvPicPr>
+            <a:picLocks noChangeAspect="1"/>
+          </p:cNvPicPr>
+          <p:nvPr/>
+        </p:nvPicPr>
+        <p:blipFill>
+          <a:blip r:embed="rId2"/>
+          <a:stretch>
+            <a:fillRect/>
+          </a:stretch>
+        </p:blipFill>
+        <p:spPr>
+          <a:xfrm>
+            <a:off x="354693" y="1799770"/>
+            <a:ext cx="6901147" cy="4943475"/>
+          </a:xfrm>
+          <a:prstGeom prst="rect">
+            <a:avLst/>
+          </a:prstGeom>
+          <a:ln w="12700">
+            <a:solidFill>
+              <a:schemeClr val="tx1"/>
+            </a:solidFill>
+          </a:ln>
+        </p:spPr>
+      </p:pic>
+      <p:sp>
+        <p:nvSpPr>
+          <p:cNvPr id="5" name="TextBox 4">
+            <a:extLst>
+              <a:ext uri="{FF2B5EF4-FFF2-40B4-BE49-F238E27FC236}">
+                <a16:creationId xmlns:a16="http://schemas.microsoft.com/office/drawing/2014/main" id="{0BD3EC13-073E-4A88-80E6-32766ED43379}"/>
+              </a:ext>
+            </a:extLst>
+          </p:cNvPr>
+          <p:cNvSpPr txBox="1"/>
+          <p:nvPr/>
+        </p:nvSpPr>
+        <p:spPr>
+          <a:xfrm>
+            <a:off x="8258629" y="3120571"/>
+            <a:ext cx="2078646" cy="646331"/>
+          </a:xfrm>
+          <a:prstGeom prst="rect">
+            <a:avLst/>
+          </a:prstGeom>
+          <a:noFill/>
+        </p:spPr>
+        <p:txBody>
+          <a:bodyPr wrap="none" rtlCol="0">
+            <a:spAutoFit/>
+          </a:bodyPr>
+          <a:lstStyle/>
+          <a:p>
+            <a:r>
+              <a:rPr lang="en-US" altLang="ko-KR" dirty="0"/>
+              <a:t>Project interpreter</a:t>
+            </a:r>
+          </a:p>
+          <a:p>
+            <a:r>
+              <a:rPr lang="en-US" altLang="ko-KR" dirty="0"/>
+              <a:t>Show All</a:t>
+            </a:r>
+            <a:endParaRPr lang="ko-KR" altLang="en-US" dirty="0"/>
+          </a:p>
+        </p:txBody>
+      </p:sp>
+    </p:spTree>
+    <p:extLst>
+      <p:ext uri="{BB962C8B-B14F-4D97-AF65-F5344CB8AC3E}">
+        <p14:creationId xmlns:p14="http://schemas.microsoft.com/office/powerpoint/2010/main" val="1706336131"/>
+      </p:ext>
+    </p:extLst>
+  </p:cSld>
+  <p:clrMapOvr>
+    <a:masterClrMapping/>
+  </p:clrMapOvr>
+</p:sld>
+</file>
+
+<file path=ppt/slides/slide17.xml><?xml version="1.0" encoding="utf-8"?>
+<p:sld xmlns:a="http://schemas.openxmlformats.org/drawingml/2006/main" xmlns:r="http://schemas.openxmlformats.org/officeDocument/2006/relationships" xmlns:p="http://schemas.openxmlformats.org/presentationml/2006/main">
+  <p:cSld>
+    <p:spTree>
+      <p:nvGrpSpPr>
+        <p:cNvPr id="1" name=""/>
+        <p:cNvGrpSpPr/>
+        <p:nvPr/>
+      </p:nvGrpSpPr>
+      <p:grpSpPr>
+        <a:xfrm>
+          <a:off x="0" y="0"/>
+          <a:ext cx="0" cy="0"/>
+          <a:chOff x="0" y="0"/>
+          <a:chExt cx="0" cy="0"/>
+        </a:xfrm>
+      </p:grpSpPr>
+      <p:sp>
+        <p:nvSpPr>
+          <p:cNvPr id="7" name="직사각형 6">
+            <a:extLst>
+              <a:ext uri="{FF2B5EF4-FFF2-40B4-BE49-F238E27FC236}">
+                <a16:creationId xmlns:a16="http://schemas.microsoft.com/office/drawing/2014/main" id="{E87FDD33-8486-4FD4-9118-157689B95F9D}"/>
+              </a:ext>
+            </a:extLst>
+          </p:cNvPr>
+          <p:cNvSpPr/>
+          <p:nvPr/>
+        </p:nvSpPr>
+        <p:spPr>
+          <a:xfrm>
+            <a:off x="0" y="1"/>
+            <a:ext cx="12192000" cy="1690688"/>
+          </a:xfrm>
+          <a:prstGeom prst="rect">
+            <a:avLst/>
+          </a:prstGeom>
+          <a:solidFill>
+            <a:srgbClr val="20D68A"/>
+          </a:solidFill>
+          <a:ln>
+            <a:noFill/>
+          </a:ln>
+        </p:spPr>
+        <p:style>
+          <a:lnRef idx="2">
+            <a:schemeClr val="accent1">
+              <a:shade val="50000"/>
+            </a:schemeClr>
+          </a:lnRef>
+          <a:fillRef idx="1">
+            <a:schemeClr val="accent1"/>
+          </a:fillRef>
+          <a:effectRef idx="0">
+            <a:schemeClr val="accent1"/>
+          </a:effectRef>
+          <a:fontRef idx="minor">
+            <a:schemeClr val="lt1"/>
+          </a:fontRef>
+        </p:style>
+        <p:txBody>
+          <a:bodyPr rtlCol="0" anchor="ctr"/>
+          <a:lstStyle/>
+          <a:p>
+            <a:r>
+              <a:rPr lang="en-US" altLang="ko-KR" sz="3600" dirty="0"/>
+              <a:t>	01. PyCharm </a:t>
+            </a:r>
+            <a:r>
+              <a:rPr lang="ko-KR" altLang="en-US" sz="3600" dirty="0"/>
+              <a:t>설치</a:t>
+            </a:r>
+          </a:p>
+        </p:txBody>
+      </p:sp>
+      <p:pic>
+        <p:nvPicPr>
+          <p:cNvPr id="3" name="그림 2">
+            <a:extLst>
+              <a:ext uri="{FF2B5EF4-FFF2-40B4-BE49-F238E27FC236}">
+                <a16:creationId xmlns:a16="http://schemas.microsoft.com/office/drawing/2014/main" id="{F2F996E6-E5C2-4373-99D1-C6D77E8F9433}"/>
+              </a:ext>
+            </a:extLst>
+          </p:cNvPr>
+          <p:cNvPicPr>
+            <a:picLocks noChangeAspect="1"/>
+          </p:cNvPicPr>
+          <p:nvPr/>
+        </p:nvPicPr>
+        <p:blipFill>
+          <a:blip r:embed="rId2"/>
+          <a:stretch>
+            <a:fillRect/>
+          </a:stretch>
+        </p:blipFill>
+        <p:spPr>
+          <a:xfrm>
+            <a:off x="794431" y="1866434"/>
+            <a:ext cx="5301570" cy="4692661"/>
+          </a:xfrm>
+          <a:prstGeom prst="rect">
+            <a:avLst/>
+          </a:prstGeom>
+        </p:spPr>
+      </p:pic>
+    </p:spTree>
+    <p:extLst>
+      <p:ext uri="{BB962C8B-B14F-4D97-AF65-F5344CB8AC3E}">
+        <p14:creationId xmlns:p14="http://schemas.microsoft.com/office/powerpoint/2010/main" val="727596394"/>
+      </p:ext>
+    </p:extLst>
+  </p:cSld>
+  <p:clrMapOvr>
+    <a:masterClrMapping/>
+  </p:clrMapOvr>
+</p:sld>
+</file>
+
+<file path=ppt/slides/slide18.xml><?xml version="1.0" encoding="utf-8"?>
+<p:sld xmlns:a="http://schemas.openxmlformats.org/drawingml/2006/main" xmlns:r="http://schemas.openxmlformats.org/officeDocument/2006/relationships" xmlns:p="http://schemas.openxmlformats.org/presentationml/2006/main">
+  <p:cSld>
+    <p:spTree>
+      <p:nvGrpSpPr>
+        <p:cNvPr id="1" name=""/>
+        <p:cNvGrpSpPr/>
+        <p:nvPr/>
+      </p:nvGrpSpPr>
+      <p:grpSpPr>
+        <a:xfrm>
+          <a:off x="0" y="0"/>
+          <a:ext cx="0" cy="0"/>
+          <a:chOff x="0" y="0"/>
+          <a:chExt cx="0" cy="0"/>
+        </a:xfrm>
+      </p:grpSpPr>
+      <p:pic>
+        <p:nvPicPr>
+          <p:cNvPr id="7" name="그림 6">
+            <a:extLst>
+              <a:ext uri="{FF2B5EF4-FFF2-40B4-BE49-F238E27FC236}">
+                <a16:creationId xmlns:a16="http://schemas.microsoft.com/office/drawing/2014/main" id="{AF0CF061-4092-4797-BE74-E5B27792C9F1}"/>
+              </a:ext>
+            </a:extLst>
+          </p:cNvPr>
+          <p:cNvPicPr>
+            <a:picLocks noChangeAspect="1"/>
+          </p:cNvPicPr>
+          <p:nvPr/>
+        </p:nvPicPr>
+        <p:blipFill>
+          <a:blip r:embed="rId2"/>
+          <a:stretch>
+            <a:fillRect/>
+          </a:stretch>
+        </p:blipFill>
+        <p:spPr>
+          <a:xfrm>
+            <a:off x="0" y="0"/>
+            <a:ext cx="12190385" cy="6858000"/>
+          </a:xfrm>
+          <a:prstGeom prst="rect">
+            <a:avLst/>
+          </a:prstGeom>
+        </p:spPr>
+      </p:pic>
+      <p:sp>
+        <p:nvSpPr>
+          <p:cNvPr id="8" name="내용 개체 틀 2">
+            <a:extLst>
+              <a:ext uri="{FF2B5EF4-FFF2-40B4-BE49-F238E27FC236}">
+                <a16:creationId xmlns:a16="http://schemas.microsoft.com/office/drawing/2014/main" id="{5CC508F0-AE85-45EA-9922-E02DABB0D315}"/>
+              </a:ext>
+            </a:extLst>
+          </p:cNvPr>
+          <p:cNvSpPr>
+            <a:spLocks noGrp="1"/>
+          </p:cNvSpPr>
+          <p:nvPr>
+            <p:ph idx="1"/>
+          </p:nvPr>
+        </p:nvSpPr>
+        <p:spPr>
+          <a:xfrm>
+            <a:off x="0" y="480806"/>
+            <a:ext cx="11916229" cy="5896388"/>
+          </a:xfrm>
+        </p:spPr>
+        <p:txBody>
+          <a:bodyPr>
+            <a:normAutofit/>
+          </a:bodyPr>
+          <a:lstStyle/>
+          <a:p>
+            <a:pPr marL="0" indent="0">
+              <a:buNone/>
+            </a:pPr>
+            <a:endParaRPr lang="en-US" altLang="ko-KR" sz="2400" dirty="0">
+              <a:solidFill>
+                <a:schemeClr val="bg1"/>
+              </a:solidFill>
+            </a:endParaRPr>
+          </a:p>
+          <a:p>
+            <a:pPr marL="0" indent="0">
+              <a:buNone/>
+            </a:pPr>
+            <a:r>
+              <a:rPr lang="en-US" altLang="ko-KR" sz="2400" dirty="0">
+                <a:solidFill>
+                  <a:schemeClr val="bg1"/>
+                </a:solidFill>
+              </a:rPr>
+              <a:t>(base) C:\WINDOWS\system32&gt;</a:t>
+            </a:r>
+            <a:r>
+              <a:rPr lang="en-US" altLang="ko-KR" sz="2400" b="1" dirty="0">
+                <a:solidFill>
+                  <a:schemeClr val="bg1"/>
+                </a:solidFill>
+              </a:rPr>
+              <a:t>cd C:\Users\leehyunjoo\dl_notebooks</a:t>
+            </a:r>
+          </a:p>
+          <a:p>
+            <a:pPr marL="0" indent="0">
+              <a:buNone/>
+            </a:pPr>
+            <a:endParaRPr lang="en-US" altLang="ko-KR" sz="2400" dirty="0">
+              <a:solidFill>
+                <a:schemeClr val="bg1"/>
+              </a:solidFill>
+            </a:endParaRPr>
+          </a:p>
+          <a:p>
+            <a:pPr marL="0" indent="0">
+              <a:buNone/>
+            </a:pPr>
+            <a:r>
+              <a:rPr lang="en-US" altLang="ko-KR" sz="2400" dirty="0">
+                <a:solidFill>
+                  <a:schemeClr val="bg1"/>
+                </a:solidFill>
+              </a:rPr>
+              <a:t>(base) C:\Users\leehyunjoo\dl_notebooks&gt;</a:t>
+            </a:r>
+            <a:r>
+              <a:rPr lang="en-US" altLang="ko-KR" sz="2400" b="1" dirty="0">
+                <a:solidFill>
+                  <a:schemeClr val="bg1"/>
+                </a:solidFill>
+              </a:rPr>
+              <a:t>jupyter notebook</a:t>
+            </a:r>
+          </a:p>
+          <a:p>
+            <a:pPr marL="0" indent="0">
+              <a:buNone/>
+            </a:pPr>
+            <a:endParaRPr lang="en-US" altLang="ko-KR" sz="2400" b="1" dirty="0">
+              <a:solidFill>
+                <a:schemeClr val="bg1"/>
+              </a:solidFill>
+            </a:endParaRPr>
+          </a:p>
+          <a:p>
+            <a:pPr marL="0" indent="0">
+              <a:buNone/>
+            </a:pPr>
+            <a:endParaRPr lang="ko-KR" altLang="en-US" sz="2400" dirty="0">
+              <a:solidFill>
+                <a:schemeClr val="bg1"/>
+              </a:solidFill>
+            </a:endParaRPr>
+          </a:p>
+        </p:txBody>
+      </p:sp>
+      <p:sp>
+        <p:nvSpPr>
+          <p:cNvPr id="9" name="직사각형 8">
+            <a:extLst>
+              <a:ext uri="{FF2B5EF4-FFF2-40B4-BE49-F238E27FC236}">
+                <a16:creationId xmlns:a16="http://schemas.microsoft.com/office/drawing/2014/main" id="{6FDC776E-6112-4F55-A311-CFF8F5C263EE}"/>
+              </a:ext>
+            </a:extLst>
+          </p:cNvPr>
+          <p:cNvSpPr/>
+          <p:nvPr/>
+        </p:nvSpPr>
+        <p:spPr>
+          <a:xfrm>
+            <a:off x="7750628" y="2732313"/>
+            <a:ext cx="3831772" cy="624115"/>
+          </a:xfrm>
+          <a:prstGeom prst="rect">
+            <a:avLst/>
+          </a:prstGeom>
+          <a:solidFill>
+            <a:schemeClr val="bg1">
+              <a:lumMod val="95000"/>
+            </a:schemeClr>
+          </a:solidFill>
+          <a:ln>
+            <a:noFill/>
+          </a:ln>
+        </p:spPr>
+        <p:style>
+          <a:lnRef idx="2">
+            <a:schemeClr val="accent1">
+              <a:shade val="50000"/>
+            </a:schemeClr>
+          </a:lnRef>
+          <a:fillRef idx="1">
+            <a:schemeClr val="accent1"/>
+          </a:fillRef>
+          <a:effectRef idx="0">
+            <a:schemeClr val="accent1"/>
+          </a:effectRef>
+          <a:fontRef idx="minor">
+            <a:schemeClr val="lt1"/>
+          </a:fontRef>
+        </p:style>
+        <p:txBody>
+          <a:bodyPr rtlCol="0" anchor="ctr"/>
+          <a:lstStyle/>
+          <a:p>
             <a:pPr algn="ctr"/>
             <a:r>
               <a:rPr lang="en-US" altLang="ko-KR" dirty="0">
@@ -4964,7 +5245,7 @@
 </p:sld>
 </file>
 
-<file path=ppt/slides/slide17.xml><?xml version="1.0" encoding="utf-8"?>
+<file path=ppt/slides/slide19.xml><?xml version="1.0" encoding="utf-8"?>
 <p:sld xmlns:a="http://schemas.openxmlformats.org/drawingml/2006/main" xmlns:r="http://schemas.openxmlformats.org/officeDocument/2006/relationships" xmlns:p="http://schemas.openxmlformats.org/presentationml/2006/main">
   <p:cSld>
     <p:spTree>
@@ -6006,87 +6287,36 @@
                   <a:schemeClr val="bg1"/>
                 </a:solidFill>
               </a:rPr>
-              <a:t>deactivate</a:t>
+              <a:t>conda deactivate</a:t>
             </a:r>
           </a:p>
           <a:p>
             <a:pPr marL="0" indent="0">
               <a:buNone/>
             </a:pPr>
-            <a:endParaRPr lang="ko-KR" altLang="en-US" sz="2400" b="1" dirty="0">
+            <a:endParaRPr lang="en-US" altLang="ko-KR" sz="2400" b="1" dirty="0">
               <a:solidFill>
                 <a:schemeClr val="bg1"/>
               </a:solidFill>
             </a:endParaRPr>
           </a:p>
-        </p:txBody>
-      </p:sp>
-      <p:sp>
-        <p:nvSpPr>
-          <p:cNvPr id="9" name="직사각형 8">
-            <a:extLst>
-              <a:ext uri="{FF2B5EF4-FFF2-40B4-BE49-F238E27FC236}">
-                <a16:creationId xmlns:a16="http://schemas.microsoft.com/office/drawing/2014/main" id="{6FDC776E-6112-4F55-A311-CFF8F5C263EE}"/>
-              </a:ext>
-            </a:extLst>
-          </p:cNvPr>
-          <p:cNvSpPr/>
-          <p:nvPr/>
-        </p:nvSpPr>
-        <p:spPr>
-          <a:xfrm>
-            <a:off x="7750628" y="2732313"/>
-            <a:ext cx="3831772" cy="624115"/>
-          </a:xfrm>
-          <a:prstGeom prst="rect">
-            <a:avLst/>
-          </a:prstGeom>
-          <a:solidFill>
-            <a:schemeClr val="bg1">
-              <a:lumMod val="95000"/>
-            </a:schemeClr>
-          </a:solidFill>
-          <a:ln>
-            <a:noFill/>
-          </a:ln>
-        </p:spPr>
-        <p:style>
-          <a:lnRef idx="2">
-            <a:schemeClr val="accent1">
-              <a:shade val="50000"/>
-            </a:schemeClr>
-          </a:lnRef>
-          <a:fillRef idx="1">
-            <a:schemeClr val="accent1"/>
-          </a:fillRef>
-          <a:effectRef idx="0">
-            <a:schemeClr val="accent1"/>
-          </a:effectRef>
-          <a:fontRef idx="minor">
-            <a:schemeClr val="lt1"/>
-          </a:fontRef>
-        </p:style>
-        <p:txBody>
-          <a:bodyPr rtlCol="0" anchor="ctr"/>
-          <a:lstStyle/>
-          <a:p>
-            <a:pPr algn="ctr"/>
-            <a:r>
-              <a:rPr lang="en-US" altLang="ko-KR" dirty="0">
+          <a:p>
+            <a:pPr marL="0" indent="0">
+              <a:buNone/>
+            </a:pPr>
+            <a:r>
+              <a:rPr lang="en-US" altLang="ko-KR" sz="2400" dirty="0">
                 <a:solidFill>
-                  <a:schemeClr val="tx1"/>
+                  <a:schemeClr val="bg1"/>
                 </a:solidFill>
               </a:rPr>
-              <a:t>cd : change directory </a:t>
-            </a:r>
-            <a:r>
-              <a:rPr lang="ko-KR" altLang="en-US" dirty="0">
-                <a:solidFill>
-                  <a:schemeClr val="tx1"/>
-                </a:solidFill>
-              </a:rPr>
-              <a:t>의 약자</a:t>
-            </a:r>
+              <a:t>(base) C:\Users\alro9&gt;</a:t>
+            </a:r>
+            <a:endParaRPr lang="ko-KR" altLang="en-US" sz="2400" dirty="0">
+              <a:solidFill>
+                <a:schemeClr val="bg1"/>
+              </a:solidFill>
+            </a:endParaRPr>
           </a:p>
         </p:txBody>
       </p:sp>
@@ -7014,10 +7244,10 @@
       </p:sp>
       <p:pic>
         <p:nvPicPr>
-          <p:cNvPr id="3" name="그림 2">
-            <a:extLst>
-              <a:ext uri="{FF2B5EF4-FFF2-40B4-BE49-F238E27FC236}">
-                <a16:creationId xmlns:a16="http://schemas.microsoft.com/office/drawing/2014/main" id="{165AD71D-542A-428B-BE0B-19DCBDA921A4}"/>
+          <p:cNvPr id="4" name="그림 3">
+            <a:extLst>
+              <a:ext uri="{FF2B5EF4-FFF2-40B4-BE49-F238E27FC236}">
+                <a16:creationId xmlns:a16="http://schemas.microsoft.com/office/drawing/2014/main" id="{65338DC2-8145-41FC-8833-FEB3CF0168B5}"/>
               </a:ext>
             </a:extLst>
           </p:cNvPr>
@@ -7028,36 +7258,6 @@
         </p:nvPicPr>
         <p:blipFill>
           <a:blip r:embed="rId2"/>
-          <a:stretch>
-            <a:fillRect/>
-          </a:stretch>
-        </p:blipFill>
-        <p:spPr>
-          <a:xfrm>
-            <a:off x="6096000" y="2205264"/>
-            <a:ext cx="4752975" cy="3695700"/>
-          </a:xfrm>
-          <a:prstGeom prst="rect">
-            <a:avLst/>
-          </a:prstGeom>
-        </p:spPr>
-      </p:pic>
-      <p:pic>
-        <p:nvPicPr>
-          <p:cNvPr id="4" name="그림 3">
-            <a:extLst>
-              <a:ext uri="{FF2B5EF4-FFF2-40B4-BE49-F238E27FC236}">
-                <a16:creationId xmlns:a16="http://schemas.microsoft.com/office/drawing/2014/main" id="{65338DC2-8145-41FC-8833-FEB3CF0168B5}"/>
-              </a:ext>
-            </a:extLst>
-          </p:cNvPr>
-          <p:cNvPicPr>
-            <a:picLocks noChangeAspect="1"/>
-          </p:cNvPicPr>
-          <p:nvPr/>
-        </p:nvPicPr>
-        <p:blipFill>
-          <a:blip r:embed="rId3"/>
           <a:stretch>
             <a:fillRect/>
           </a:stretch>
@@ -7176,6 +7376,36 @@
           </a:p>
         </p:txBody>
       </p:sp>
+      <p:pic>
+        <p:nvPicPr>
+          <p:cNvPr id="10" name="그림 9">
+            <a:extLst>
+              <a:ext uri="{FF2B5EF4-FFF2-40B4-BE49-F238E27FC236}">
+                <a16:creationId xmlns:a16="http://schemas.microsoft.com/office/drawing/2014/main" id="{54B105F7-13CF-4F00-8CC3-7AAC4CCECAE2}"/>
+              </a:ext>
+            </a:extLst>
+          </p:cNvPr>
+          <p:cNvPicPr>
+            <a:picLocks noChangeAspect="1"/>
+          </p:cNvPicPr>
+          <p:nvPr/>
+        </p:nvPicPr>
+        <p:blipFill>
+          <a:blip r:embed="rId3"/>
+          <a:stretch>
+            <a:fillRect/>
+          </a:stretch>
+        </p:blipFill>
+        <p:spPr>
+          <a:xfrm>
+            <a:off x="6096000" y="2205264"/>
+            <a:ext cx="4752975" cy="3695700"/>
+          </a:xfrm>
+          <a:prstGeom prst="rect">
+            <a:avLst/>
+          </a:prstGeom>
+        </p:spPr>
+      </p:pic>
     </p:spTree>
     <p:extLst>
       <p:ext uri="{BB962C8B-B14F-4D97-AF65-F5344CB8AC3E}">
